--- a/AnalisisCanasta_v20181202_PPT.pptx
+++ b/AnalisisCanasta_v20181202_PPT.pptx
@@ -279,7 +279,7 @@
           <a:p>
             <a:fld id="{EC13577B-6902-467D-A26C-08A0DD5E4E03}" type="datetimeFigureOut">
               <a:rPr lang="en-US" smtClean="0"/>
-              <a:t>12/8/2018</a:t>
+              <a:t>1/19/2019</a:t>
             </a:fld>
             <a:endParaRPr lang="en-US"/>
           </a:p>
@@ -1091,7 +1091,7 @@
           <a:p>
             <a:fld id="{8BEEBAAA-29B5-4AF5-BC5F-7E580C29002D}" type="datetimeFigureOut">
               <a:rPr lang="en-US" smtClean="0"/>
-              <a:t>12/8/2018</a:t>
+              <a:t>1/19/2019</a:t>
             </a:fld>
             <a:endParaRPr lang="en-US"/>
           </a:p>
@@ -1368,7 +1368,7 @@
           <a:p>
             <a:fld id="{8BEEBAAA-29B5-4AF5-BC5F-7E580C29002D}" type="datetimeFigureOut">
               <a:rPr lang="en-US" smtClean="0"/>
-              <a:t>12/8/2018</a:t>
+              <a:t>1/19/2019</a:t>
             </a:fld>
             <a:endParaRPr lang="en-US"/>
           </a:p>
@@ -1650,7 +1650,7 @@
           <a:p>
             <a:fld id="{8BEEBAAA-29B5-4AF5-BC5F-7E580C29002D}" type="datetimeFigureOut">
               <a:rPr lang="en-US" smtClean="0"/>
-              <a:t>12/8/2018</a:t>
+              <a:t>1/19/2019</a:t>
             </a:fld>
             <a:endParaRPr lang="en-US"/>
           </a:p>
@@ -2011,7 +2011,7 @@
           <a:p>
             <a:fld id="{8BEEBAAA-29B5-4AF5-BC5F-7E580C29002D}" type="datetimeFigureOut">
               <a:rPr lang="en-US" smtClean="0"/>
-              <a:t>12/8/2018</a:t>
+              <a:t>1/19/2019</a:t>
             </a:fld>
             <a:endParaRPr lang="en-US"/>
           </a:p>
@@ -2311,7 +2311,7 @@
           <a:p>
             <a:fld id="{8BEEBAAA-29B5-4AF5-BC5F-7E580C29002D}" type="datetimeFigureOut">
               <a:rPr lang="en-US" smtClean="0"/>
-              <a:t>12/8/2018</a:t>
+              <a:t>1/19/2019</a:t>
             </a:fld>
             <a:endParaRPr lang="en-US"/>
           </a:p>
@@ -2826,7 +2826,7 @@
           <a:p>
             <a:fld id="{8BEEBAAA-29B5-4AF5-BC5F-7E580C29002D}" type="datetimeFigureOut">
               <a:rPr lang="en-US" smtClean="0"/>
-              <a:t>12/8/2018</a:t>
+              <a:t>1/19/2019</a:t>
             </a:fld>
             <a:endParaRPr lang="en-US"/>
           </a:p>
@@ -3471,7 +3471,7 @@
           <a:p>
             <a:fld id="{8BEEBAAA-29B5-4AF5-BC5F-7E580C29002D}" type="datetimeFigureOut">
               <a:rPr lang="en-US" smtClean="0"/>
-              <a:t>12/8/2018</a:t>
+              <a:t>1/19/2019</a:t>
             </a:fld>
             <a:endParaRPr lang="en-US"/>
           </a:p>
@@ -3696,7 +3696,7 @@
           <a:p>
             <a:fld id="{8BEEBAAA-29B5-4AF5-BC5F-7E580C29002D}" type="datetimeFigureOut">
               <a:rPr lang="en-US" smtClean="0"/>
-              <a:t>12/8/2018</a:t>
+              <a:t>1/19/2019</a:t>
             </a:fld>
             <a:endParaRPr lang="en-US"/>
           </a:p>
@@ -3837,7 +3837,7 @@
           <a:p>
             <a:fld id="{8BEEBAAA-29B5-4AF5-BC5F-7E580C29002D}" type="datetimeFigureOut">
               <a:rPr lang="en-US" smtClean="0"/>
-              <a:t>12/8/2018</a:t>
+              <a:t>1/19/2019</a:t>
             </a:fld>
             <a:endParaRPr lang="en-US"/>
           </a:p>
@@ -4174,7 +4174,7 @@
           <a:p>
             <a:fld id="{8BEEBAAA-29B5-4AF5-BC5F-7E580C29002D}" type="datetimeFigureOut">
               <a:rPr lang="en-US" smtClean="0"/>
-              <a:t>12/8/2018</a:t>
+              <a:t>1/19/2019</a:t>
             </a:fld>
             <a:endParaRPr lang="en-US"/>
           </a:p>
@@ -4431,7 +4431,7 @@
           <a:p>
             <a:fld id="{8BEEBAAA-29B5-4AF5-BC5F-7E580C29002D}" type="datetimeFigureOut">
               <a:rPr lang="en-US" smtClean="0"/>
-              <a:t>12/8/2018</a:t>
+              <a:t>1/19/2019</a:t>
             </a:fld>
             <a:endParaRPr lang="en-US"/>
           </a:p>
@@ -4644,7 +4644,7 @@
           <a:p>
             <a:fld id="{8BEEBAAA-29B5-4AF5-BC5F-7E580C29002D}" type="datetimeFigureOut">
               <a:rPr lang="en-US" smtClean="0"/>
-              <a:t>12/8/2018</a:t>
+              <a:t>1/19/2019</a:t>
             </a:fld>
             <a:endParaRPr lang="en-US"/>
           </a:p>
@@ -6036,6 +6036,30 @@
           <a:xfrm>
             <a:off x="4384911" y="1647275"/>
             <a:ext cx="7334864" cy="4495948"/>
+          </a:xfrm>
+          <a:prstGeom prst="rect">
+            <a:avLst/>
+          </a:prstGeom>
+        </p:spPr>
+      </p:pic>
+      <p:pic>
+        <p:nvPicPr>
+          <p:cNvPr id="3" name="Imagen 2"/>
+          <p:cNvPicPr>
+            <a:picLocks noChangeAspect="1"/>
+          </p:cNvPicPr>
+          <p:nvPr/>
+        </p:nvPicPr>
+        <p:blipFill>
+          <a:blip r:embed="rId4"/>
+          <a:stretch>
+            <a:fillRect/>
+          </a:stretch>
+        </p:blipFill>
+        <p:spPr>
+          <a:xfrm>
+            <a:off x="4838701" y="1647275"/>
+            <a:ext cx="6515100" cy="1724025"/>
           </a:xfrm>
           <a:prstGeom prst="rect">
             <a:avLst/>
